--- a/ppt/2022-07-22.pptx
+++ b/ppt/2022-07-22.pptx
@@ -12,7 +12,8 @@
     <p:sldId id="261" r:id="rId6"/>
     <p:sldId id="262" r:id="rId7"/>
     <p:sldId id="264" r:id="rId8"/>
-    <p:sldId id="260" r:id="rId9"/>
+    <p:sldId id="265" r:id="rId9"/>
+    <p:sldId id="260" r:id="rId10"/>
   </p:sldIdLst>
   <p:sldSz cx="12192000" cy="6858000"/>
   <p:notesSz cx="6858000" cy="9144000"/>
@@ -111,6 +112,11 @@
       </a:defRPr>
     </a:lvl9pPr>
   </p:defaultTextStyle>
+  <p:extLst>
+    <p:ext uri="{EFAFB233-063F-42B5-8137-9DF3F51BA10A}">
+      <p15:sldGuideLst xmlns:p15="http://schemas.microsoft.com/office/powerpoint/2012/main"/>
+    </p:ext>
+  </p:extLst>
 </p:presentation>
 </file>
 
@@ -284,7 +290,7 @@
             <a:fld id="{87DE6118-2437-4B30-8E3C-4D2BE6020583}" type="datetimeFigureOut">
               <a:rPr lang="en-US" dirty="0"/>
               <a:pPr/>
-              <a:t>7/22/2022</a:t>
+              <a:t>7/27/2022</a:t>
             </a:fld>
             <a:endParaRPr lang="en-US" dirty="0"/>
           </a:p>
@@ -610,7 +616,7 @@
           <a:p>
             <a:fld id="{87DE6118-2437-4B30-8E3C-4D2BE6020583}" type="datetimeFigureOut">
               <a:rPr lang="en-US" dirty="0"/>
-              <a:t>7/22/2022</a:t>
+              <a:t>7/27/2022</a:t>
             </a:fld>
             <a:endParaRPr lang="en-US" dirty="0"/>
           </a:p>
@@ -785,7 +791,7 @@
           <a:p>
             <a:fld id="{87DE6118-2437-4B30-8E3C-4D2BE6020583}" type="datetimeFigureOut">
               <a:rPr lang="en-US" dirty="0"/>
-              <a:t>7/22/2022</a:t>
+              <a:t>7/27/2022</a:t>
             </a:fld>
             <a:endParaRPr lang="en-US" dirty="0"/>
           </a:p>
@@ -950,7 +956,7 @@
           <a:p>
             <a:fld id="{87DE6118-2437-4B30-8E3C-4D2BE6020583}" type="datetimeFigureOut">
               <a:rPr lang="en-US" dirty="0"/>
-              <a:t>7/22/2022</a:t>
+              <a:t>7/27/2022</a:t>
             </a:fld>
             <a:endParaRPr lang="en-US" dirty="0"/>
           </a:p>
@@ -1223,7 +1229,7 @@
             <a:fld id="{87DE6118-2437-4B30-8E3C-4D2BE6020583}" type="datetimeFigureOut">
               <a:rPr lang="en-US" dirty="0"/>
               <a:pPr/>
-              <a:t>7/22/2022</a:t>
+              <a:t>7/27/2022</a:t>
             </a:fld>
             <a:endParaRPr lang="en-US" dirty="0"/>
           </a:p>
@@ -1613,7 +1619,7 @@
           <a:p>
             <a:fld id="{87DE6118-2437-4B30-8E3C-4D2BE6020583}" type="datetimeFigureOut">
               <a:rPr lang="en-US" dirty="0"/>
-              <a:t>7/22/2022</a:t>
+              <a:t>7/27/2022</a:t>
             </a:fld>
             <a:endParaRPr lang="en-US" dirty="0"/>
           </a:p>
@@ -2085,7 +2091,7 @@
           <a:p>
             <a:fld id="{87DE6118-2437-4B30-8E3C-4D2BE6020583}" type="datetimeFigureOut">
               <a:rPr lang="en-US" dirty="0"/>
-              <a:t>7/22/2022</a:t>
+              <a:t>7/27/2022</a:t>
             </a:fld>
             <a:endParaRPr lang="en-US" dirty="0"/>
           </a:p>
@@ -2198,7 +2204,7 @@
           <a:p>
             <a:fld id="{87DE6118-2437-4B30-8E3C-4D2BE6020583}" type="datetimeFigureOut">
               <a:rPr lang="en-US" dirty="0"/>
-              <a:t>7/22/2022</a:t>
+              <a:t>7/27/2022</a:t>
             </a:fld>
             <a:endParaRPr lang="en-US" dirty="0"/>
           </a:p>
@@ -2288,7 +2294,7 @@
           <a:p>
             <a:fld id="{87DE6118-2437-4B30-8E3C-4D2BE6020583}" type="datetimeFigureOut">
               <a:rPr lang="en-US" dirty="0"/>
-              <a:t>7/22/2022</a:t>
+              <a:t>7/27/2022</a:t>
             </a:fld>
             <a:endParaRPr lang="en-US" dirty="0"/>
           </a:p>
@@ -2630,7 +2636,7 @@
             <a:fld id="{87DE6118-2437-4B30-8E3C-4D2BE6020583}" type="datetimeFigureOut">
               <a:rPr lang="en-US" dirty="0"/>
               <a:pPr/>
-              <a:t>7/22/2022</a:t>
+              <a:t>7/27/2022</a:t>
             </a:fld>
             <a:endParaRPr lang="en-US" dirty="0"/>
           </a:p>
@@ -3015,7 +3021,7 @@
             <a:fld id="{87DE6118-2437-4B30-8E3C-4D2BE6020583}" type="datetimeFigureOut">
               <a:rPr lang="en-US" dirty="0"/>
               <a:pPr/>
-              <a:t>7/22/2022</a:t>
+              <a:t>7/27/2022</a:t>
             </a:fld>
             <a:endParaRPr lang="en-US" dirty="0"/>
           </a:p>
@@ -3290,7 +3296,7 @@
             <a:fld id="{87DE6118-2437-4B30-8E3C-4D2BE6020583}" type="datetimeFigureOut">
               <a:rPr lang="en-US" dirty="0"/>
               <a:pPr/>
-              <a:t>7/22/2022</a:t>
+              <a:t>7/27/2022</a:t>
             </a:fld>
             <a:endParaRPr lang="en-US" dirty="0"/>
           </a:p>
@@ -5345,7 +5351,9 @@
           </a:xfrm>
         </p:spPr>
         <p:txBody>
-          <a:bodyPr/>
+          <a:bodyPr>
+            <a:normAutofit lnSpcReduction="10000"/>
+          </a:bodyPr>
           <a:lstStyle/>
           <a:p>
             <a:pPr>
@@ -5431,10 +5439,135 @@
             <a:endParaRPr lang="en-US" altLang="ko-KR" dirty="0"/>
           </a:p>
           <a:p>
+            <a:pPr>
+              <a:buFont typeface="Wingdings" panose="05000000000000000000" pitchFamily="2" charset="2"/>
+              <a:buChar char="l"/>
+            </a:pPr>
+            <a:r>
+              <a:rPr lang="en-US" altLang="ko-KR" dirty="0" err="1"/>
+              <a:t>OnCollision</a:t>
+            </a:r>
+            <a:endParaRPr lang="en-US" altLang="ko-KR" dirty="0"/>
+          </a:p>
+          <a:p>
             <a:pPr lvl="1">
               <a:buFont typeface="Wingdings" panose="05000000000000000000" pitchFamily="2" charset="2"/>
               <a:buChar char="l"/>
             </a:pPr>
+            <a:r>
+              <a:rPr lang="ko-KR" altLang="en-US" dirty="0" err="1"/>
+              <a:t>충돌발생할</a:t>
+            </a:r>
+            <a:r>
+              <a:rPr lang="ko-KR" altLang="en-US" dirty="0"/>
+              <a:t> 때마다 발생</a:t>
+            </a:r>
+            <a:endParaRPr lang="en-US" altLang="ko-KR" dirty="0"/>
+          </a:p>
+          <a:p>
+            <a:pPr lvl="1">
+              <a:buFont typeface="Wingdings" panose="05000000000000000000" pitchFamily="2" charset="2"/>
+              <a:buChar char="l"/>
+            </a:pPr>
+            <a:r>
+              <a:rPr lang="ko-KR" altLang="en-US" dirty="0"/>
+              <a:t>물리현상</a:t>
+            </a:r>
+            <a:r>
+              <a:rPr lang="en-US" altLang="ko-KR" dirty="0"/>
+              <a:t>o</a:t>
+            </a:r>
+          </a:p>
+          <a:p>
+            <a:pPr>
+              <a:buFont typeface="Wingdings" panose="05000000000000000000" pitchFamily="2" charset="2"/>
+              <a:buChar char="l"/>
+            </a:pPr>
+            <a:r>
+              <a:rPr lang="en-US" altLang="ko-KR" dirty="0" err="1"/>
+              <a:t>OnTrigger</a:t>
+            </a:r>
+            <a:r>
+              <a:rPr lang="en-US" altLang="ko-KR" dirty="0"/>
+              <a:t>(</a:t>
+            </a:r>
+            <a:r>
+              <a:rPr lang="en-US" altLang="ko-KR" dirty="0" err="1"/>
+              <a:t>isTrigger</a:t>
+            </a:r>
+            <a:r>
+              <a:rPr lang="en-US" altLang="ko-KR" dirty="0"/>
+              <a:t> </a:t>
+            </a:r>
+            <a:r>
+              <a:rPr lang="ko-KR" altLang="en-US" dirty="0"/>
+              <a:t>체크</a:t>
+            </a:r>
+            <a:r>
+              <a:rPr lang="en-US" altLang="ko-KR" dirty="0"/>
+              <a:t>)</a:t>
+            </a:r>
+          </a:p>
+          <a:p>
+            <a:pPr lvl="1">
+              <a:buFont typeface="Wingdings" panose="05000000000000000000" pitchFamily="2" charset="2"/>
+              <a:buChar char="l"/>
+            </a:pPr>
+            <a:r>
+              <a:rPr lang="ko-KR" altLang="en-US" dirty="0"/>
+              <a:t>충돌했을 때 발 생</a:t>
+            </a:r>
+            <a:endParaRPr lang="en-US" altLang="ko-KR" dirty="0"/>
+          </a:p>
+          <a:p>
+            <a:pPr lvl="1">
+              <a:buFont typeface="Wingdings" panose="05000000000000000000" pitchFamily="2" charset="2"/>
+              <a:buChar char="l"/>
+            </a:pPr>
+            <a:r>
+              <a:rPr lang="ko-KR" altLang="en-US" dirty="0"/>
+              <a:t>물리현상 </a:t>
+            </a:r>
+            <a:r>
+              <a:rPr lang="en-US" altLang="ko-KR" dirty="0"/>
+              <a:t>x</a:t>
+            </a:r>
+          </a:p>
+          <a:p>
+            <a:pPr>
+              <a:buFont typeface="Wingdings" panose="05000000000000000000" pitchFamily="2" charset="2"/>
+              <a:buChar char="l"/>
+            </a:pPr>
+            <a:r>
+              <a:rPr lang="en-US" altLang="ko-KR" dirty="0"/>
+              <a:t>Enter, stay, exit</a:t>
+            </a:r>
+          </a:p>
+          <a:p>
+            <a:pPr lvl="1">
+              <a:buFont typeface="Wingdings" panose="05000000000000000000" pitchFamily="2" charset="2"/>
+              <a:buChar char="l"/>
+            </a:pPr>
+            <a:r>
+              <a:rPr lang="ko-KR" altLang="en-US" dirty="0" err="1"/>
+              <a:t>만날때</a:t>
+            </a:r>
+            <a:r>
+              <a:rPr lang="en-US" altLang="ko-KR" dirty="0"/>
+              <a:t>, </a:t>
+            </a:r>
+            <a:r>
+              <a:rPr lang="ko-KR" altLang="en-US" dirty="0" err="1"/>
+              <a:t>겹쳐있을때</a:t>
+            </a:r>
+            <a:r>
+              <a:rPr lang="en-US" altLang="ko-KR" dirty="0"/>
+              <a:t>, </a:t>
+            </a:r>
+            <a:r>
+              <a:rPr lang="ko-KR" altLang="en-US" dirty="0" err="1"/>
+              <a:t>나갈때</a:t>
+            </a:r>
             <a:endParaRPr lang="ko-KR" altLang="en-US" dirty="0"/>
           </a:p>
         </p:txBody>
@@ -6072,6 +6205,105 @@
 </file>
 
 <file path=ppt/slides/slide8.xml><?xml version="1.0" encoding="utf-8"?>
+<p:sld xmlns:a="http://schemas.openxmlformats.org/drawingml/2006/main" xmlns:r="http://schemas.openxmlformats.org/officeDocument/2006/relationships" xmlns:p="http://schemas.openxmlformats.org/presentationml/2006/main">
+  <p:cSld>
+    <p:spTree>
+      <p:nvGrpSpPr>
+        <p:cNvPr id="1" name=""/>
+        <p:cNvGrpSpPr/>
+        <p:nvPr/>
+      </p:nvGrpSpPr>
+      <p:grpSpPr>
+        <a:xfrm>
+          <a:off x="0" y="0"/>
+          <a:ext cx="0" cy="0"/>
+          <a:chOff x="0" y="0"/>
+          <a:chExt cx="0" cy="0"/>
+        </a:xfrm>
+      </p:grpSpPr>
+      <p:sp>
+        <p:nvSpPr>
+          <p:cNvPr id="2" name="제목 1">
+            <a:extLst>
+              <a:ext uri="{FF2B5EF4-FFF2-40B4-BE49-F238E27FC236}">
+                <a16:creationId xmlns:a16="http://schemas.microsoft.com/office/drawing/2014/main" id="{43A296E6-F56A-9565-D91E-952EAE3D2199}"/>
+              </a:ext>
+            </a:extLst>
+          </p:cNvPr>
+          <p:cNvSpPr>
+            <a:spLocks noGrp="1"/>
+          </p:cNvSpPr>
+          <p:nvPr>
+            <p:ph type="title"/>
+          </p:nvPr>
+        </p:nvSpPr>
+        <p:spPr>
+          <a:xfrm>
+            <a:off x="1371600" y="685800"/>
+            <a:ext cx="9601200" cy="717115"/>
+          </a:xfrm>
+        </p:spPr>
+        <p:txBody>
+          <a:bodyPr/>
+          <a:lstStyle/>
+          <a:p>
+            <a:r>
+              <a:rPr lang="ko-KR" altLang="en-US" dirty="0"/>
+              <a:t>태그비교</a:t>
+            </a:r>
+          </a:p>
+        </p:txBody>
+      </p:sp>
+      <p:sp>
+        <p:nvSpPr>
+          <p:cNvPr id="3" name="내용 개체 틀 2">
+            <a:extLst>
+              <a:ext uri="{FF2B5EF4-FFF2-40B4-BE49-F238E27FC236}">
+                <a16:creationId xmlns:a16="http://schemas.microsoft.com/office/drawing/2014/main" id="{845F5112-2E53-A1A6-EB43-2CFB54AB640E}"/>
+              </a:ext>
+            </a:extLst>
+          </p:cNvPr>
+          <p:cNvSpPr>
+            <a:spLocks noGrp="1"/>
+          </p:cNvSpPr>
+          <p:nvPr>
+            <p:ph idx="1"/>
+          </p:nvPr>
+        </p:nvSpPr>
+        <p:spPr>
+          <a:xfrm>
+            <a:off x="1371600" y="1402915"/>
+            <a:ext cx="10553178" cy="4464485"/>
+          </a:xfrm>
+        </p:spPr>
+        <p:txBody>
+          <a:bodyPr>
+            <a:normAutofit/>
+          </a:bodyPr>
+          <a:lstStyle/>
+          <a:p>
+            <a:pPr>
+              <a:buFont typeface="Wingdings" panose="05000000000000000000" pitchFamily="2" charset="2"/>
+              <a:buChar char="l"/>
+            </a:pPr>
+            <a:endParaRPr lang="ko-KR" altLang="en-US" dirty="0"/>
+          </a:p>
+        </p:txBody>
+      </p:sp>
+    </p:spTree>
+    <p:extLst>
+      <p:ext uri="{BB962C8B-B14F-4D97-AF65-F5344CB8AC3E}">
+        <p14:creationId xmlns:p14="http://schemas.microsoft.com/office/powerpoint/2010/main" val="2317301768"/>
+      </p:ext>
+    </p:extLst>
+  </p:cSld>
+  <p:clrMapOvr>
+    <a:masterClrMapping/>
+  </p:clrMapOvr>
+</p:sld>
+</file>
+
+<file path=ppt/slides/slide9.xml><?xml version="1.0" encoding="utf-8"?>
 <p:sld xmlns:a="http://schemas.openxmlformats.org/drawingml/2006/main" xmlns:r="http://schemas.openxmlformats.org/officeDocument/2006/relationships" xmlns:p="http://schemas.openxmlformats.org/presentationml/2006/main">
   <p:cSld>
     <p:spTree>
